--- a/man/figures/logo.pptx
+++ b/man/figures/logo.pptx
@@ -243,7 +243,7 @@
           <a:p>
             <a:fld id="{8AA7341E-E8D5-574D-9C77-42D65F8270B5}" type="datetimeFigureOut">
               <a:rPr lang="en-US" smtClean="0"/>
-              <a:t>7/3/23</a:t>
+              <a:t>10/27/23</a:t>
             </a:fld>
             <a:endParaRPr lang="en-US"/>
           </a:p>
@@ -413,7 +413,7 @@
           <a:p>
             <a:fld id="{8AA7341E-E8D5-574D-9C77-42D65F8270B5}" type="datetimeFigureOut">
               <a:rPr lang="en-US" smtClean="0"/>
-              <a:t>7/3/23</a:t>
+              <a:t>10/27/23</a:t>
             </a:fld>
             <a:endParaRPr lang="en-US"/>
           </a:p>
@@ -593,7 +593,7 @@
           <a:p>
             <a:fld id="{8AA7341E-E8D5-574D-9C77-42D65F8270B5}" type="datetimeFigureOut">
               <a:rPr lang="en-US" smtClean="0"/>
-              <a:t>7/3/23</a:t>
+              <a:t>10/27/23</a:t>
             </a:fld>
             <a:endParaRPr lang="en-US"/>
           </a:p>
@@ -763,7 +763,7 @@
           <a:p>
             <a:fld id="{8AA7341E-E8D5-574D-9C77-42D65F8270B5}" type="datetimeFigureOut">
               <a:rPr lang="en-US" smtClean="0"/>
-              <a:t>7/3/23</a:t>
+              <a:t>10/27/23</a:t>
             </a:fld>
             <a:endParaRPr lang="en-US"/>
           </a:p>
@@ -1007,7 +1007,7 @@
           <a:p>
             <a:fld id="{8AA7341E-E8D5-574D-9C77-42D65F8270B5}" type="datetimeFigureOut">
               <a:rPr lang="en-US" smtClean="0"/>
-              <a:t>7/3/23</a:t>
+              <a:t>10/27/23</a:t>
             </a:fld>
             <a:endParaRPr lang="en-US"/>
           </a:p>
@@ -1239,7 +1239,7 @@
           <a:p>
             <a:fld id="{8AA7341E-E8D5-574D-9C77-42D65F8270B5}" type="datetimeFigureOut">
               <a:rPr lang="en-US" smtClean="0"/>
-              <a:t>7/3/23</a:t>
+              <a:t>10/27/23</a:t>
             </a:fld>
             <a:endParaRPr lang="en-US"/>
           </a:p>
@@ -1606,7 +1606,7 @@
           <a:p>
             <a:fld id="{8AA7341E-E8D5-574D-9C77-42D65F8270B5}" type="datetimeFigureOut">
               <a:rPr lang="en-US" smtClean="0"/>
-              <a:t>7/3/23</a:t>
+              <a:t>10/27/23</a:t>
             </a:fld>
             <a:endParaRPr lang="en-US"/>
           </a:p>
@@ -1724,7 +1724,7 @@
           <a:p>
             <a:fld id="{8AA7341E-E8D5-574D-9C77-42D65F8270B5}" type="datetimeFigureOut">
               <a:rPr lang="en-US" smtClean="0"/>
-              <a:t>7/3/23</a:t>
+              <a:t>10/27/23</a:t>
             </a:fld>
             <a:endParaRPr lang="en-US"/>
           </a:p>
@@ -1819,7 +1819,7 @@
           <a:p>
             <a:fld id="{8AA7341E-E8D5-574D-9C77-42D65F8270B5}" type="datetimeFigureOut">
               <a:rPr lang="en-US" smtClean="0"/>
-              <a:t>7/3/23</a:t>
+              <a:t>10/27/23</a:t>
             </a:fld>
             <a:endParaRPr lang="en-US"/>
           </a:p>
@@ -2096,7 +2096,7 @@
           <a:p>
             <a:fld id="{8AA7341E-E8D5-574D-9C77-42D65F8270B5}" type="datetimeFigureOut">
               <a:rPr lang="en-US" smtClean="0"/>
-              <a:t>7/3/23</a:t>
+              <a:t>10/27/23</a:t>
             </a:fld>
             <a:endParaRPr lang="en-US"/>
           </a:p>
@@ -2353,7 +2353,7 @@
           <a:p>
             <a:fld id="{8AA7341E-E8D5-574D-9C77-42D65F8270B5}" type="datetimeFigureOut">
               <a:rPr lang="en-US" smtClean="0"/>
-              <a:t>7/3/23</a:t>
+              <a:t>10/27/23</a:t>
             </a:fld>
             <a:endParaRPr lang="en-US"/>
           </a:p>
@@ -2566,7 +2566,7 @@
           <a:p>
             <a:fld id="{8AA7341E-E8D5-574D-9C77-42D65F8270B5}" type="datetimeFigureOut">
               <a:rPr lang="en-US" smtClean="0"/>
-              <a:t>7/3/23</a:t>
+              <a:t>10/27/23</a:t>
             </a:fld>
             <a:endParaRPr lang="en-US"/>
           </a:p>
@@ -3237,8 +3237,8 @@
         </p:nvSpPr>
         <p:spPr>
           <a:xfrm rot="20627742">
-            <a:off x="8682149" y="9492875"/>
-            <a:ext cx="3887078" cy="4720134"/>
+            <a:off x="8832527" y="9471467"/>
+            <a:ext cx="3887078" cy="5797866"/>
           </a:xfrm>
           <a:prstGeom prst="rect">
             <a:avLst/>
@@ -3275,46 +3275,6 @@
           </a:p>
         </p:txBody>
       </p:sp>
-      <p:pic>
-        <p:nvPicPr>
-          <p:cNvPr id="5" name="Picture 4" descr="A video game controller with buttons&#10;&#10;Description automatically generated with medium confidence">
-            <a:extLst>
-              <a:ext uri="{FF2B5EF4-FFF2-40B4-BE49-F238E27FC236}">
-                <a16:creationId xmlns:a16="http://schemas.microsoft.com/office/drawing/2014/main" id="{34578434-5FD5-0DE0-2010-246CE751C51C}"/>
-              </a:ext>
-            </a:extLst>
-          </p:cNvPr>
-          <p:cNvPicPr>
-            <a:picLocks noChangeAspect="1"/>
-          </p:cNvPicPr>
-          <p:nvPr/>
-        </p:nvPicPr>
-        <p:blipFill rotWithShape="1">
-          <a:blip r:embed="rId2">
-            <a:clrChange>
-              <a:clrFrom>
-                <a:srgbClr val="D4D4D4"/>
-              </a:clrFrom>
-              <a:clrTo>
-                <a:srgbClr val="D4D4D4">
-                  <a:alpha val="0"/>
-                </a:srgbClr>
-              </a:clrTo>
-            </a:clrChange>
-          </a:blip>
-          <a:srcRect l="41103" t="17684" r="43062" b="60077"/>
-          <a:stretch/>
-        </p:blipFill>
-        <p:spPr>
-          <a:xfrm rot="20700000">
-            <a:off x="8485725" y="9844495"/>
-            <a:ext cx="4564441" cy="3129923"/>
-          </a:xfrm>
-          <a:prstGeom prst="rect">
-            <a:avLst/>
-          </a:prstGeom>
-        </p:spPr>
-      </p:pic>
       <p:sp>
         <p:nvSpPr>
           <p:cNvPr id="7" name="Hexagon 6">
@@ -3393,7 +3353,7 @@
         </p:blipFill>
         <p:spPr>
           <a:xfrm rot="20700000">
-            <a:off x="9309825" y="13238846"/>
+            <a:off x="9190554" y="12761772"/>
             <a:ext cx="3708079" cy="1826800"/>
           </a:xfrm>
           <a:prstGeom prst="rect">
@@ -3401,6 +3361,47 @@
           </a:prstGeom>
         </p:spPr>
       </p:pic>
+      <p:sp>
+        <p:nvSpPr>
+          <p:cNvPr id="2" name="TextBox 1">
+            <a:extLst>
+              <a:ext uri="{FF2B5EF4-FFF2-40B4-BE49-F238E27FC236}">
+                <a16:creationId xmlns:a16="http://schemas.microsoft.com/office/drawing/2014/main" id="{15D12808-0FBD-C360-0DB5-89CE8282717A}"/>
+              </a:ext>
+            </a:extLst>
+          </p:cNvPr>
+          <p:cNvSpPr txBox="1"/>
+          <p:nvPr/>
+        </p:nvSpPr>
+        <p:spPr>
+          <a:xfrm rot="20593698">
+            <a:off x="7071655" y="8646853"/>
+            <a:ext cx="6255737" cy="3477875"/>
+          </a:xfrm>
+          <a:prstGeom prst="rect">
+            <a:avLst/>
+          </a:prstGeom>
+          <a:noFill/>
+        </p:spPr>
+        <p:txBody>
+          <a:bodyPr wrap="square" rtlCol="0">
+            <a:spAutoFit/>
+          </a:bodyPr>
+          <a:lstStyle/>
+          <a:p>
+            <a:pPr algn="ctr"/>
+            <a:r>
+              <a:rPr lang="en-US" sz="22000" dirty="0">
+                <a:solidFill>
+                  <a:srgbClr val="4A524E"/>
+                </a:solidFill>
+                <a:latin typeface="SNES" panose="02000500000000000000" pitchFamily="2" charset="0"/>
+              </a:rPr>
+              <a:t>PLAYER</a:t>
+            </a:r>
+          </a:p>
+        </p:txBody>
+      </p:sp>
     </p:spTree>
     <p:extLst>
       <p:ext uri="{BB962C8B-B14F-4D97-AF65-F5344CB8AC3E}">

--- a/man/figures/logo.pptx
+++ b/man/figures/logo.pptx
@@ -243,7 +243,7 @@
           <a:p>
             <a:fld id="{8AA7341E-E8D5-574D-9C77-42D65F8270B5}" type="datetimeFigureOut">
               <a:rPr lang="en-US" smtClean="0"/>
-              <a:t>10/27/23</a:t>
+              <a:t>1/24/25</a:t>
             </a:fld>
             <a:endParaRPr lang="en-US"/>
           </a:p>
@@ -413,7 +413,7 @@
           <a:p>
             <a:fld id="{8AA7341E-E8D5-574D-9C77-42D65F8270B5}" type="datetimeFigureOut">
               <a:rPr lang="en-US" smtClean="0"/>
-              <a:t>10/27/23</a:t>
+              <a:t>1/24/25</a:t>
             </a:fld>
             <a:endParaRPr lang="en-US"/>
           </a:p>
@@ -593,7 +593,7 @@
           <a:p>
             <a:fld id="{8AA7341E-E8D5-574D-9C77-42D65F8270B5}" type="datetimeFigureOut">
               <a:rPr lang="en-US" smtClean="0"/>
-              <a:t>10/27/23</a:t>
+              <a:t>1/24/25</a:t>
             </a:fld>
             <a:endParaRPr lang="en-US"/>
           </a:p>
@@ -763,7 +763,7 @@
           <a:p>
             <a:fld id="{8AA7341E-E8D5-574D-9C77-42D65F8270B5}" type="datetimeFigureOut">
               <a:rPr lang="en-US" smtClean="0"/>
-              <a:t>10/27/23</a:t>
+              <a:t>1/24/25</a:t>
             </a:fld>
             <a:endParaRPr lang="en-US"/>
           </a:p>
@@ -1007,7 +1007,7 @@
           <a:p>
             <a:fld id="{8AA7341E-E8D5-574D-9C77-42D65F8270B5}" type="datetimeFigureOut">
               <a:rPr lang="en-US" smtClean="0"/>
-              <a:t>10/27/23</a:t>
+              <a:t>1/24/25</a:t>
             </a:fld>
             <a:endParaRPr lang="en-US"/>
           </a:p>
@@ -1239,7 +1239,7 @@
           <a:p>
             <a:fld id="{8AA7341E-E8D5-574D-9C77-42D65F8270B5}" type="datetimeFigureOut">
               <a:rPr lang="en-US" smtClean="0"/>
-              <a:t>10/27/23</a:t>
+              <a:t>1/24/25</a:t>
             </a:fld>
             <a:endParaRPr lang="en-US"/>
           </a:p>
@@ -1606,7 +1606,7 @@
           <a:p>
             <a:fld id="{8AA7341E-E8D5-574D-9C77-42D65F8270B5}" type="datetimeFigureOut">
               <a:rPr lang="en-US" smtClean="0"/>
-              <a:t>10/27/23</a:t>
+              <a:t>1/24/25</a:t>
             </a:fld>
             <a:endParaRPr lang="en-US"/>
           </a:p>
@@ -1724,7 +1724,7 @@
           <a:p>
             <a:fld id="{8AA7341E-E8D5-574D-9C77-42D65F8270B5}" type="datetimeFigureOut">
               <a:rPr lang="en-US" smtClean="0"/>
-              <a:t>10/27/23</a:t>
+              <a:t>1/24/25</a:t>
             </a:fld>
             <a:endParaRPr lang="en-US"/>
           </a:p>
@@ -1819,7 +1819,7 @@
           <a:p>
             <a:fld id="{8AA7341E-E8D5-574D-9C77-42D65F8270B5}" type="datetimeFigureOut">
               <a:rPr lang="en-US" smtClean="0"/>
-              <a:t>10/27/23</a:t>
+              <a:t>1/24/25</a:t>
             </a:fld>
             <a:endParaRPr lang="en-US"/>
           </a:p>
@@ -2096,7 +2096,7 @@
           <a:p>
             <a:fld id="{8AA7341E-E8D5-574D-9C77-42D65F8270B5}" type="datetimeFigureOut">
               <a:rPr lang="en-US" smtClean="0"/>
-              <a:t>10/27/23</a:t>
+              <a:t>1/24/25</a:t>
             </a:fld>
             <a:endParaRPr lang="en-US"/>
           </a:p>
@@ -2353,7 +2353,7 @@
           <a:p>
             <a:fld id="{8AA7341E-E8D5-574D-9C77-42D65F8270B5}" type="datetimeFigureOut">
               <a:rPr lang="en-US" smtClean="0"/>
-              <a:t>10/27/23</a:t>
+              <a:t>1/24/25</a:t>
             </a:fld>
             <a:endParaRPr lang="en-US"/>
           </a:p>
@@ -2566,7 +2566,7 @@
           <a:p>
             <a:fld id="{8AA7341E-E8D5-574D-9C77-42D65F8270B5}" type="datetimeFigureOut">
               <a:rPr lang="en-US" smtClean="0"/>
-              <a:t>10/27/23</a:t>
+              <a:t>1/24/25</a:t>
             </a:fld>
             <a:endParaRPr lang="en-US"/>
           </a:p>
@@ -3374,7 +3374,7 @@
           <p:nvPr/>
         </p:nvSpPr>
         <p:spPr>
-          <a:xfrm rot="20593698">
+          <a:xfrm rot="20700000">
             <a:off x="7071655" y="8646853"/>
             <a:ext cx="6255737" cy="3477875"/>
           </a:xfrm>
@@ -3402,6 +3402,145 @@
           </a:p>
         </p:txBody>
       </p:sp>
+      <p:pic>
+        <p:nvPicPr>
+          <p:cNvPr id="5" name="Picture 4" descr="A video game controller with buttons&#10;&#10;Description automatically generated with medium confidence">
+            <a:extLst>
+              <a:ext uri="{FF2B5EF4-FFF2-40B4-BE49-F238E27FC236}">
+                <a16:creationId xmlns:a16="http://schemas.microsoft.com/office/drawing/2014/main" id="{A94A9604-E249-5D4F-7E4C-412A0D040556}"/>
+              </a:ext>
+            </a:extLst>
+          </p:cNvPr>
+          <p:cNvPicPr>
+            <a:picLocks noChangeAspect="1"/>
+          </p:cNvPicPr>
+          <p:nvPr/>
+        </p:nvPicPr>
+        <p:blipFill>
+          <a:blip r:embed="rId3">
+            <a:extLst>
+              <a:ext uri="{BEBA8EAE-BF5A-486C-A8C5-ECC9F3942E4B}">
+                <a14:imgProps xmlns:a14="http://schemas.microsoft.com/office/drawing/2010/main">
+                  <a14:imgLayer r:embed="rId4">
+                    <a14:imgEffect>
+                      <a14:backgroundRemoval t="32885" b="69760" l="62653" r="90540">
+                        <a14:foregroundMark x1="76831" y1="43702" x2="76831" y2="43702"/>
+                        <a14:foregroundMark x1="79648" y1="44279" x2="79648" y2="44279"/>
+                        <a14:foregroundMark x1="80047" y1="41202" x2="80047" y2="41202"/>
+                        <a14:foregroundMark x1="79859" y1="32885" x2="79859" y2="32885"/>
+                        <a14:foregroundMark x1="79507" y1="34375" x2="80352" y2="41394"/>
+                        <a14:foregroundMark x1="80376" y1="37452" x2="80376" y2="37452"/>
+                        <a14:foregroundMark x1="79953" y1="57885" x2="80235" y2="62981"/>
+                        <a14:foregroundMark x1="69812" y1="61875" x2="69460" y2="66923"/>
+                        <a14:foregroundMark x1="66573" y1="62067" x2="66573" y2="62067"/>
+                        <a14:foregroundMark x1="64460" y1="69760" x2="64460" y2="69760"/>
+                        <a14:foregroundMark x1="62653" y1="60240" x2="62653" y2="60240"/>
+                        <a14:foregroundMark x1="87629" y1="62788" x2="87629" y2="62788"/>
+                        <a14:foregroundMark x1="90094" y1="66106" x2="90094" y2="66106"/>
+                        <a14:foregroundMark x1="90141" y1="59567" x2="90141" y2="59567"/>
+                        <a14:foregroundMark x1="90540" y1="57788" x2="90540" y2="57788"/>
+                        <a14:foregroundMark x1="90188" y1="57933" x2="89930" y2="62596"/>
+                        <a14:foregroundMark x1="89930" y1="62596" x2="90211" y2="65192"/>
+                        <a14:foregroundMark x1="89953" y1="56154" x2="89953" y2="56154"/>
+                      </a14:backgroundRemoval>
+                    </a14:imgEffect>
+                  </a14:imgLayer>
+                </a14:imgProps>
+              </a:ext>
+            </a:extLst>
+          </a:blip>
+          <a:srcRect l="61307" t="30516" r="7331" b="26811"/>
+          <a:stretch/>
+        </p:blipFill>
+        <p:spPr>
+          <a:xfrm rot="20700000">
+            <a:off x="1971045" y="12033985"/>
+            <a:ext cx="6617321" cy="4396359"/>
+          </a:xfrm>
+          <a:prstGeom prst="rect">
+            <a:avLst/>
+          </a:prstGeom>
+        </p:spPr>
+      </p:pic>
+      <p:pic>
+        <p:nvPicPr>
+          <p:cNvPr id="6" name="Picture 5" descr="A video game controller with buttons&#10;&#10;Description automatically generated with medium confidence">
+            <a:extLst>
+              <a:ext uri="{FF2B5EF4-FFF2-40B4-BE49-F238E27FC236}">
+                <a16:creationId xmlns:a16="http://schemas.microsoft.com/office/drawing/2014/main" id="{9DE5A689-ADCF-C7AB-A372-F60499088A0E}"/>
+              </a:ext>
+            </a:extLst>
+          </p:cNvPr>
+          <p:cNvPicPr>
+            <a:picLocks noChangeAspect="1"/>
+          </p:cNvPicPr>
+          <p:nvPr/>
+        </p:nvPicPr>
+        <p:blipFill>
+          <a:blip r:embed="rId5">
+            <a:extLst>
+              <a:ext uri="{BEBA8EAE-BF5A-486C-A8C5-ECC9F3942E4B}">
+                <a14:imgProps xmlns:a14="http://schemas.microsoft.com/office/drawing/2010/main">
+                  <a14:imgLayer r:embed="rId6">
+                    <a14:imgEffect>
+                      <a14:backgroundRemoval t="31683" b="68317" l="7911" r="35681">
+                        <a14:foregroundMark x1="21103" y1="33894" x2="23732" y2="38077"/>
+                        <a14:foregroundMark x1="23732" y1="38077" x2="25117" y2="41923"/>
+                        <a14:foregroundMark x1="25117" y1="41923" x2="23310" y2="45913"/>
+                        <a14:foregroundMark x1="23310" y1="45913" x2="20915" y2="46250"/>
+                        <a14:foregroundMark x1="20915" y1="46250" x2="18451" y2="45240"/>
+                        <a14:foregroundMark x1="18451" y1="45240" x2="17746" y2="40577"/>
+                        <a14:foregroundMark x1="17746" y1="40577" x2="18638" y2="35481"/>
+                        <a14:foregroundMark x1="18638" y1="35481" x2="20962" y2="33221"/>
+                        <a14:foregroundMark x1="20962" y1="33221" x2="22042" y2="34038"/>
+                        <a14:foregroundMark x1="25094" y1="36394" x2="24577" y2="41298"/>
+                        <a14:foregroundMark x1="24577" y1="41298" x2="25305" y2="45865"/>
+                        <a14:foregroundMark x1="25305" y1="45865" x2="24272" y2="46442"/>
+                        <a14:foregroundMark x1="25493" y1="33317" x2="25329" y2="38942"/>
+                        <a14:foregroundMark x1="25329" y1="38942" x2="25516" y2="39231"/>
+                        <a14:foregroundMark x1="29296" y1="66298" x2="31549" y2="66827"/>
+                        <a14:foregroundMark x1="31549" y1="66827" x2="33732" y2="65529"/>
+                        <a14:foregroundMark x1="33732" y1="65529" x2="35681" y2="62885"/>
+                        <a14:foregroundMark x1="35681" y1="62885" x2="35728" y2="53173"/>
+                        <a14:foregroundMark x1="35728" y1="53173" x2="33779" y2="50721"/>
+                        <a14:foregroundMark x1="33779" y1="50721" x2="29202" y2="51971"/>
+                        <a14:foregroundMark x1="29202" y1="51971" x2="28873" y2="61827"/>
+                        <a14:foregroundMark x1="28873" y1="61827" x2="29296" y2="66298"/>
+                        <a14:foregroundMark x1="32465" y1="66779" x2="34718" y2="66635"/>
+                        <a14:foregroundMark x1="34718" y1="66635" x2="35493" y2="62163"/>
+                        <a14:foregroundMark x1="35493" y1="62163" x2="35681" y2="51442"/>
+                        <a14:foregroundMark x1="21056" y1="55192" x2="20869" y2="59615"/>
+                        <a14:foregroundMark x1="12254" y1="55433" x2="11972" y2="59519"/>
+                        <a14:foregroundMark x1="20329" y1="67404" x2="21432" y2="68173"/>
+                        <a14:foregroundMark x1="8404" y1="56058" x2="7911" y2="59904"/>
+                        <a14:foregroundMark x1="11244" y1="67212" x2="13122" y2="67596"/>
+                        <a14:foregroundMark x1="21878" y1="67740" x2="22746" y2="68317"/>
+                        <a14:foregroundMark x1="25516" y1="59952" x2="25258" y2="61875"/>
+                        <a14:foregroundMark x1="25540" y1="62885" x2="25681" y2="64327"/>
+                        <a14:foregroundMark x1="25563" y1="55481" x2="25540" y2="57788"/>
+                        <a14:foregroundMark x1="14953" y1="53654" x2="15094" y2="57260"/>
+                        <a14:foregroundMark x1="15070" y1="59471" x2="15047" y2="62740"/>
+                        <a14:foregroundMark x1="9319" y1="67115" x2="10775" y2="67260"/>
+                      </a14:backgroundRemoval>
+                    </a14:imgEffect>
+                  </a14:imgLayer>
+                </a14:imgProps>
+              </a:ext>
+            </a:extLst>
+          </a:blip>
+          <a:srcRect l="6909" t="27509" r="62544" b="30434"/>
+          <a:stretch/>
+        </p:blipFill>
+        <p:spPr>
+          <a:xfrm rot="20700000">
+            <a:off x="13289458" y="9118380"/>
+            <a:ext cx="6445425" cy="4332767"/>
+          </a:xfrm>
+          <a:prstGeom prst="rect">
+            <a:avLst/>
+          </a:prstGeom>
+        </p:spPr>
+      </p:pic>
     </p:spTree>
     <p:extLst>
       <p:ext uri="{BB962C8B-B14F-4D97-AF65-F5344CB8AC3E}">
